--- a/Prezentacija_Undercooked.pptx
+++ b/Prezentacija_Undercooked.pptx
@@ -207,7 +207,7 @@
           <a:p>
             <a:fld id="{A57596D4-CB16-4BAD-83F6-7E8077D61F81}" type="datetimeFigureOut">
               <a:rPr lang="hr-HR" smtClean="0"/>
-              <a:t>20.1.2024.</a:t>
+              <a:t>21.1.2024.</a:t>
             </a:fld>
             <a:endParaRPr lang="hr-HR"/>
           </a:p>
@@ -3829,7 +3829,7 @@
           <a:p>
             <a:fld id="{E46E8F5E-7C26-4DBA-9CDF-6E3092DFB447}" type="datetime1">
               <a:rPr lang="hr-HR" smtClean="0"/>
-              <a:t>20.1.2024.</a:t>
+              <a:t>21.1.2024.</a:t>
             </a:fld>
             <a:endParaRPr lang="hr-HR"/>
           </a:p>
@@ -4062,7 +4062,7 @@
           <a:p>
             <a:fld id="{E46E8F5E-7C26-4DBA-9CDF-6E3092DFB447}" type="datetime1">
               <a:rPr lang="hr-HR" smtClean="0"/>
-              <a:t>20.1.2024.</a:t>
+              <a:t>21.1.2024.</a:t>
             </a:fld>
             <a:endParaRPr lang="hr-HR"/>
           </a:p>
@@ -4689,6 +4689,27 @@
           </a:p>
           <a:p>
             <a:pPr lvl="1"/>
+            <a:r>
+              <a:rPr lang="hr-HR" dirty="0"/>
+              <a:t>Ne komuniciranje s drugim članovima o napretku stvara ne konzistentost koje se mora popravljati kasnije</a:t>
+            </a:r>
+          </a:p>
+          <a:p>
+            <a:pPr lvl="1"/>
+            <a:r>
+              <a:rPr lang="hr-HR" dirty="0"/>
+              <a:t>Potrebno je poštivati rokove</a:t>
+            </a:r>
+          </a:p>
+          <a:p>
+            <a:pPr lvl="1"/>
+            <a:r>
+              <a:rPr lang="hr-HR" dirty="0"/>
+              <a:t>Ostaviti si dovoljno vremena za pogreške</a:t>
+            </a:r>
+          </a:p>
+          <a:p>
+            <a:pPr lvl="1"/>
             <a:endParaRPr lang="hr-HR" dirty="0"/>
           </a:p>
         </p:txBody>
@@ -4797,8 +4818,12 @@
           <a:lstStyle/>
           <a:p>
             <a:r>
+              <a:rPr lang="hr-HR" dirty="0"/>
+              <a:t>e</a:t>
+            </a:r>
+            <a:r>
               <a:rPr lang="hr-HR" sz="2800" dirty="0"/>
-              <a:t>Eloise</a:t>
+              <a:t>loise</a:t>
             </a:r>
             <a:r>
               <a:rPr lang="hr-HR" dirty="0"/>
@@ -4811,8 +4836,12 @@
           </a:p>
           <a:p>
             <a:r>
+              <a:rPr lang="hr-HR" dirty="0"/>
+              <a:t>l</a:t>
+            </a:r>
+            <a:r>
               <a:rPr lang="hr-HR" sz="2800" dirty="0"/>
-              <a:t>Luka.Grubisin@</a:t>
+              <a:t>uka.Grubisin@</a:t>
             </a:r>
             <a:r>
               <a:rPr lang="hr-HR" dirty="0"/>
@@ -4822,20 +4851,32 @@
           </a:p>
           <a:p>
             <a:r>
+              <a:rPr lang="hr-HR" dirty="0"/>
+              <a:t>a</a:t>
+            </a:r>
+            <a:r>
               <a:rPr lang="hr-HR" sz="2800" dirty="0"/>
-              <a:t>Anabel.Dautovic@fer.hr</a:t>
-            </a:r>
-          </a:p>
-          <a:p>
+              <a:t>nabel.Dautovic@fer.hr</a:t>
+            </a:r>
+          </a:p>
+          <a:p>
+            <a:r>
+              <a:rPr lang="hr-HR" dirty="0"/>
+              <a:t>m</a:t>
+            </a:r>
             <a:r>
               <a:rPr lang="hr-HR" sz="2800" dirty="0"/>
-              <a:t>Mateo.Plavec@fer.hr </a:t>
-            </a:r>
-          </a:p>
-          <a:p>
+              <a:t>ateo.Plavec@fer.hr </a:t>
+            </a:r>
+          </a:p>
+          <a:p>
+            <a:r>
+              <a:rPr lang="hr-HR" dirty="0"/>
+              <a:t>a</a:t>
+            </a:r>
             <a:r>
               <a:rPr lang="hr-HR" sz="2800" dirty="0"/>
-              <a:t>Alan.Durdevic</a:t>
+              <a:t>lan.Durdevic</a:t>
             </a:r>
             <a:r>
               <a:rPr lang="hr-HR" dirty="0"/>
@@ -4845,14 +4886,22 @@
           </a:p>
           <a:p>
             <a:r>
+              <a:rPr lang="hr-HR" dirty="0"/>
+              <a:t>m</a:t>
+            </a:r>
+            <a:r>
               <a:rPr lang="hr-HR" sz="2800" dirty="0"/>
-              <a:t>Matej.Magat@fer.hr</a:t>
-            </a:r>
-          </a:p>
-          <a:p>
+              <a:t>atej.Magat@fer.hr</a:t>
+            </a:r>
+          </a:p>
+          <a:p>
+            <a:r>
+              <a:rPr lang="hr-HR" dirty="0"/>
+              <a:t>a</a:t>
+            </a:r>
             <a:r>
               <a:rPr lang="hr-HR" sz="2800" dirty="0"/>
-              <a:t>Andrej.Stankovic@fer.hr</a:t>
+              <a:t>ndrej.Stankovic@fer.hr</a:t>
             </a:r>
           </a:p>
           <a:p>
@@ -5118,21 +5167,8 @@
           <a:p>
             <a:r>
               <a:rPr lang="hr-HR" sz="2400" dirty="0"/>
-              <a:t>Luka </a:t>
-            </a:r>
-            <a:r>
-              <a:rPr lang="hr-HR" sz="2400" dirty="0" err="1"/>
-              <a:t>Grubišin</a:t>
-            </a:r>
-            <a:r>
-              <a:rPr lang="hr-HR" sz="2400" dirty="0"/>
-              <a:t> – dokumentacija, testiranje i </a:t>
-            </a:r>
-            <a:r>
-              <a:rPr lang="hr-HR" sz="2400" dirty="0" err="1"/>
-              <a:t>depoloyement</a:t>
-            </a:r>
-            <a:endParaRPr lang="hr-HR" sz="2400" dirty="0"/>
+              <a:t>Luka Grubišin – dokumentacija, testiranje i deployement</a:t>
+            </a:r>
           </a:p>
           <a:p>
             <a:r>
